--- a/presentation/exjobbspresentationrecover.pptx
+++ b/presentation/exjobbspresentationrecover.pptx
@@ -3063,7 +3063,7 @@
             <a:fld id="{783FABB4-A628-43D7-9E66-634FEA459987}" type="datetimeFigureOut">
               <a:rPr lang="fr-FR" smtClean="0"/>
               <a:pPr/>
-              <a:t>2013-08-15</a:t>
+              <a:t>2013-08-20</a:t>
             </a:fld>
             <a:endParaRPr lang="fr-FR" dirty="0"/>
           </a:p>
@@ -3178,7 +3178,7 @@
             <a:fld id="{783FABB4-A628-43D7-9E66-634FEA459987}" type="datetimeFigureOut">
               <a:rPr lang="fr-FR" smtClean="0"/>
               <a:pPr/>
-              <a:t>2013-08-15</a:t>
+              <a:t>2013-08-20</a:t>
             </a:fld>
             <a:endParaRPr lang="fr-FR"/>
           </a:p>
@@ -4080,7 +4080,7 @@
             <a:fld id="{783FABB4-A628-43D7-9E66-634FEA459987}" type="datetimeFigureOut">
               <a:rPr lang="fr-FR" smtClean="0"/>
               <a:pPr/>
-              <a:t>2013-08-15</a:t>
+              <a:t>2013-08-20</a:t>
             </a:fld>
             <a:endParaRPr lang="fr-FR"/>
           </a:p>
@@ -4355,7 +4355,7 @@
             <a:fld id="{783FABB4-A628-43D7-9E66-634FEA459987}" type="datetimeFigureOut">
               <a:rPr lang="fr-FR" smtClean="0"/>
               <a:pPr/>
-              <a:t>2013-08-15</a:t>
+              <a:t>2013-08-20</a:t>
             </a:fld>
             <a:endParaRPr lang="fr-FR"/>
           </a:p>
@@ -4542,7 +4542,7 @@
             <a:fld id="{783FABB4-A628-43D7-9E66-634FEA459987}" type="datetimeFigureOut">
               <a:rPr lang="fr-FR" smtClean="0"/>
               <a:pPr/>
-              <a:t>2013-08-15</a:t>
+              <a:t>2013-08-20</a:t>
             </a:fld>
             <a:endParaRPr lang="fr-FR"/>
           </a:p>
@@ -5395,7 +5395,7 @@
             <a:fld id="{783FABB4-A628-43D7-9E66-634FEA459987}" type="datetimeFigureOut">
               <a:rPr lang="fr-FR" smtClean="0"/>
               <a:pPr/>
-              <a:t>2013-08-15</a:t>
+              <a:t>2013-08-20</a:t>
             </a:fld>
             <a:endParaRPr lang="fr-FR" dirty="0"/>
           </a:p>
@@ -5770,7 +5770,7 @@
             <a:fld id="{783FABB4-A628-43D7-9E66-634FEA459987}" type="datetimeFigureOut">
               <a:rPr lang="fr-FR" smtClean="0"/>
               <a:pPr/>
-              <a:t>2013-08-15</a:t>
+              <a:t>2013-08-20</a:t>
             </a:fld>
             <a:endParaRPr lang="fr-FR" dirty="0"/>
           </a:p>
@@ -6033,7 +6033,7 @@
             <a:fld id="{783FABB4-A628-43D7-9E66-634FEA459987}" type="datetimeFigureOut">
               <a:rPr lang="fr-FR" smtClean="0"/>
               <a:pPr/>
-              <a:t>2013-08-15</a:t>
+              <a:t>2013-08-20</a:t>
             </a:fld>
             <a:endParaRPr lang="fr-FR"/>
           </a:p>
@@ -7441,7 +7441,7 @@
             <a:fld id="{783FABB4-A628-43D7-9E66-634FEA459987}" type="datetimeFigureOut">
               <a:rPr lang="fr-FR" smtClean="0"/>
               <a:pPr/>
-              <a:t>2013-08-15</a:t>
+              <a:t>2013-08-20</a:t>
             </a:fld>
             <a:endParaRPr lang="fr-FR"/>
           </a:p>
@@ -8032,7 +8032,7 @@
             <a:fld id="{783FABB4-A628-43D7-9E66-634FEA459987}" type="datetimeFigureOut">
               <a:rPr lang="fr-FR" smtClean="0"/>
               <a:pPr/>
-              <a:t>2013-08-15</a:t>
+              <a:t>2013-08-20</a:t>
             </a:fld>
             <a:endParaRPr lang="fr-FR"/>
           </a:p>
@@ -8573,7 +8573,7 @@
             <a:fld id="{783FABB4-A628-43D7-9E66-634FEA459987}" type="datetimeFigureOut">
               <a:rPr lang="fr-FR" smtClean="0"/>
               <a:pPr/>
-              <a:t>2013-08-15</a:t>
+              <a:t>2013-08-20</a:t>
             </a:fld>
             <a:endParaRPr lang="fr-FR"/>
           </a:p>
@@ -9046,7 +9046,7 @@
             <a:fld id="{783FABB4-A628-43D7-9E66-634FEA459987}" type="datetimeFigureOut">
               <a:rPr lang="fr-FR" smtClean="0"/>
               <a:pPr/>
-              <a:t>2013-08-15</a:t>
+              <a:t>2013-08-20</a:t>
             </a:fld>
             <a:endParaRPr lang="fr-FR"/>
           </a:p>
@@ -10583,11 +10583,7 @@
           <a:p>
             <a:r>
               <a:rPr lang="en-US" dirty="0" smtClean="0"/>
-              <a:t>Responsive web design - Mobile</a:t>
-            </a:r>
-            <a:r>
-              <a:rPr lang="en-US" dirty="0" smtClean="0"/>
-              <a:t>-first	</a:t>
+              <a:t>Responsive web design - Mobile-first	</a:t>
             </a:r>
             <a:endParaRPr lang="en-US" dirty="0"/>
           </a:p>
@@ -10652,7 +10648,11 @@
             </a:r>
             <a:r>
               <a:rPr lang="en-US" dirty="0" err="1" smtClean="0"/>
-              <a:t>skrivbordgränsnittet</a:t>
+              <a:t>desktop</a:t>
+            </a:r>
+            <a:r>
+              <a:rPr lang="en-US" dirty="0" err="1" smtClean="0"/>
+              <a:t>gränsnittet</a:t>
             </a:r>
             <a:r>
               <a:rPr lang="en-US" dirty="0" smtClean="0"/>
@@ -10857,11 +10857,7 @@
           <a:p>
             <a:r>
               <a:rPr lang="en-US" dirty="0" smtClean="0"/>
-              <a:t>Responsive web design - Mobile</a:t>
-            </a:r>
-            <a:r>
-              <a:rPr lang="en-US" dirty="0" smtClean="0"/>
-              <a:t>-first</a:t>
+              <a:t>Responsive web design - Mobile-first</a:t>
             </a:r>
             <a:endParaRPr lang="en-US" dirty="0"/>
           </a:p>
@@ -11123,11 +11119,7 @@
           <a:p>
             <a:r>
               <a:rPr lang="en-US" dirty="0" smtClean="0"/>
-              <a:t>Responsive web design - Desktop</a:t>
-            </a:r>
-            <a:r>
-              <a:rPr lang="en-US" dirty="0" smtClean="0"/>
-              <a:t>-first</a:t>
+              <a:t>Responsive web design - Desktop-first</a:t>
             </a:r>
             <a:endParaRPr lang="en-US" dirty="0"/>
           </a:p>
@@ -11166,7 +11158,11 @@
             </a:r>
             <a:r>
               <a:rPr lang="en-US" dirty="0" err="1" smtClean="0"/>
-              <a:t>skrivbordsgränssnittet</a:t>
+              <a:t>desktop</a:t>
+            </a:r>
+            <a:r>
+              <a:rPr lang="en-US" dirty="0" err="1" smtClean="0"/>
+              <a:t>gränssnittet</a:t>
             </a:r>
             <a:endParaRPr lang="en-US" dirty="0" smtClean="0"/>
           </a:p>
@@ -11408,11 +11404,7 @@
           <a:p>
             <a:r>
               <a:rPr lang="en-US" dirty="0" smtClean="0"/>
-              <a:t>Responsive web </a:t>
-            </a:r>
-            <a:r>
-              <a:rPr lang="en-US" dirty="0" smtClean="0"/>
-              <a:t>design </a:t>
+              <a:t>Responsive web design </a:t>
             </a:r>
             <a:r>
               <a:rPr lang="en-US" dirty="0"/>
@@ -11712,7 +11704,11 @@
           <a:p>
             <a:r>
               <a:rPr lang="sv-SE" dirty="0" smtClean="0"/>
-              <a:t>17 April 2012</a:t>
+              <a:t>21</a:t>
+            </a:r>
+            <a:r>
+              <a:rPr lang="sv-SE" dirty="0" smtClean="0"/>
+              <a:t> augusti 2013</a:t>
             </a:r>
             <a:endParaRPr lang="en-US" dirty="0"/>
           </a:p>
@@ -11851,6 +11847,10 @@
             <a:r>
               <a:rPr lang="en-US" dirty="0" smtClean="0"/>
               <a:t> </a:t>
+            </a:r>
+            <a:r>
+              <a:rPr lang="en-US" dirty="0" smtClean="0"/>
+              <a:t>den </a:t>
             </a:r>
             <a:r>
               <a:rPr lang="en-US" dirty="0" err="1" smtClean="0"/>
@@ -13760,7 +13760,7 @@
             </a:r>
             <a:r>
               <a:rPr lang="en-US" dirty="0" err="1" smtClean="0"/>
-              <a:t>området</a:t>
+              <a:t>webbutveckling</a:t>
             </a:r>
             <a:endParaRPr lang="en-US" dirty="0" smtClean="0"/>
           </a:p>
@@ -13822,13 +13822,8 @@
             </a:r>
             <a:r>
               <a:rPr lang="en-US" dirty="0" smtClean="0"/>
-              <a:t> desktop </a:t>
-            </a:r>
-            <a:r>
-              <a:rPr lang="en-US" dirty="0" smtClean="0"/>
-              <a:t>internet</a:t>
-            </a:r>
-            <a:endParaRPr lang="en-US" dirty="0" smtClean="0"/>
+              <a:t> desktop internet</a:t>
+            </a:r>
           </a:p>
           <a:p>
             <a:pPr>
@@ -14088,6 +14083,10 @@
             <a:r>
               <a:rPr lang="en-US" dirty="0" smtClean="0"/>
               <a:t>  </a:t>
+            </a:r>
+            <a:r>
+              <a:rPr lang="en-US" dirty="0" err="1" smtClean="0"/>
+              <a:t>m.m</a:t>
             </a:r>
             <a:endParaRPr lang="en-US" dirty="0"/>
           </a:p>
@@ -15825,7 +15824,7 @@
           <a:p>
             <a:r>
               <a:rPr lang="sv-SE" dirty="0" smtClean="0"/>
-              <a:t>17 April 2012</a:t>
+              <a:t>21 augusti 2013</a:t>
             </a:r>
             <a:endParaRPr lang="en-US" dirty="0"/>
           </a:p>
@@ -15926,11 +15925,7 @@
             </a:r>
             <a:r>
               <a:rPr lang="en-US" dirty="0" smtClean="0"/>
-              <a:t>- </a:t>
-            </a:r>
-            <a:r>
-              <a:rPr lang="en-US" dirty="0" smtClean="0"/>
-              <a:t> </a:t>
+              <a:t>-  </a:t>
             </a:r>
             <a:r>
               <a:rPr lang="en-US" dirty="0" err="1" smtClean="0"/>
@@ -16184,15 +16179,7 @@
             </a:r>
             <a:r>
               <a:rPr lang="en-US" dirty="0" smtClean="0"/>
-              <a:t> </a:t>
-            </a:r>
-            <a:r>
-              <a:rPr lang="en-US" dirty="0" smtClean="0"/>
-              <a:t>r</a:t>
-            </a:r>
-            <a:r>
-              <a:rPr lang="en-US" dirty="0" smtClean="0"/>
-              <a:t>edesign </a:t>
+              <a:t> redesign </a:t>
             </a:r>
             <a:r>
               <a:rPr lang="en-US" dirty="0" err="1" smtClean="0"/>
@@ -16294,7 +16281,6 @@
               <a:rPr lang="en-US" dirty="0" smtClean="0"/>
               <a:t> 8</a:t>
             </a:r>
-            <a:endParaRPr lang="en-US" dirty="0" smtClean="0"/>
           </a:p>
           <a:p>
             <a:pPr marL="0" indent="0">
@@ -16410,8 +16396,8 @@
               <a:t> </a:t>
             </a:r>
             <a:r>
-              <a:rPr lang="en-US" dirty="0" smtClean="0"/>
-              <a:t>I</a:t>
+              <a:rPr lang="en-US" dirty="0" err="1" smtClean="0"/>
+              <a:t>i</a:t>
             </a:r>
             <a:r>
               <a:rPr lang="en-US" dirty="0" smtClean="0"/>
@@ -16731,11 +16717,7 @@
             </a:r>
             <a:r>
               <a:rPr lang="en-US" dirty="0" smtClean="0"/>
-              <a:t> </a:t>
-            </a:r>
-            <a:r>
-              <a:rPr lang="en-US" dirty="0" smtClean="0"/>
-              <a:t>med</a:t>
+              <a:t> med</a:t>
             </a:r>
           </a:p>
           <a:p>
@@ -16824,11 +16806,7 @@
             </a:r>
             <a:r>
               <a:rPr lang="en-US" dirty="0" smtClean="0"/>
-              <a:t> Robus</a:t>
-            </a:r>
-            <a:r>
-              <a:rPr lang="en-US" dirty="0" smtClean="0"/>
-              <a:t>t </a:t>
+              <a:t> Robust </a:t>
             </a:r>
             <a:r>
               <a:rPr lang="en-US" dirty="0" err="1" smtClean="0"/>
@@ -16903,7 +16881,6 @@
               <a:rPr lang="en-US" dirty="0" smtClean="0"/>
               <a:t> 8</a:t>
             </a:r>
-            <a:endParaRPr lang="en-US" dirty="0" smtClean="0"/>
           </a:p>
           <a:p>
             <a:pPr>
@@ -17081,7 +17058,15 @@
             </a:r>
             <a:r>
               <a:rPr lang="en-US" sz="2200" dirty="0" smtClean="0"/>
-              <a:t> desktop-first</a:t>
+              <a:t> </a:t>
+            </a:r>
+            <a:r>
+              <a:rPr lang="en-US" sz="2200" dirty="0" smtClean="0"/>
+              <a:t>Desktop</a:t>
+            </a:r>
+            <a:r>
+              <a:rPr lang="en-US" sz="2200" dirty="0" smtClean="0"/>
+              <a:t>-first</a:t>
             </a:r>
           </a:p>
           <a:p>
@@ -17130,11 +17115,11 @@
               <a:t> </a:t>
             </a:r>
             <a:r>
-              <a:rPr lang="en-US" sz="2000" dirty="0" err="1"/>
-              <a:t>anpassad</a:t>
-            </a:r>
-            <a:r>
-              <a:rPr lang="en-US" sz="2000" dirty="0"/>
+              <a:rPr lang="en-US" sz="2000" dirty="0" err="1" smtClean="0"/>
+              <a:t>anpassas</a:t>
+            </a:r>
+            <a:r>
+              <a:rPr lang="en-US" sz="2000" dirty="0" smtClean="0"/>
               <a:t> </a:t>
             </a:r>
             <a:r>
@@ -17484,7 +17469,15 @@
           <a:p>
             <a:r>
               <a:rPr lang="sv-SE" dirty="0" smtClean="0"/>
-              <a:t>12-46 år 62.5% använder dagligen och 81% har använt det någon gång, under 2012</a:t>
+              <a:t>12-46 år 62.5% använder dagligen och 81% har använt det någon </a:t>
+            </a:r>
+            <a:r>
+              <a:rPr lang="sv-SE" dirty="0" smtClean="0"/>
+              <a:t>gång </a:t>
+            </a:r>
+            <a:r>
+              <a:rPr lang="sv-SE" dirty="0" smtClean="0"/>
+              <a:t>under 2012</a:t>
             </a:r>
             <a:endParaRPr lang="en-US" dirty="0" smtClean="0"/>
           </a:p>
@@ -17615,11 +17608,7 @@
             </a:r>
             <a:r>
               <a:rPr lang="en-US" dirty="0" smtClean="0"/>
-              <a:t> </a:t>
-            </a:r>
-            <a:r>
-              <a:rPr lang="en-US" dirty="0" smtClean="0"/>
-              <a:t>vid </a:t>
+              <a:t> vid </a:t>
             </a:r>
             <a:r>
               <a:rPr lang="en-US" dirty="0" err="1" smtClean="0"/>
@@ -17834,7 +17823,6 @@
               <a:rPr lang="en-US" dirty="0"/>
               <a:t>	</a:t>
             </a:r>
-            <a:endParaRPr lang="en-US" dirty="0"/>
           </a:p>
         </p:txBody>
       </p:sp>
@@ -18726,11 +18714,7 @@
                     <a:p>
                       <a:r>
                         <a:rPr lang="en-US" dirty="0" smtClean="0"/>
-                        <a:t>M</a:t>
-                      </a:r>
-                      <a:r>
-                        <a:rPr lang="en-US" dirty="0" smtClean="0"/>
-                        <a:t>edia queries</a:t>
+                        <a:t>Media queries</a:t>
                       </a:r>
                       <a:endParaRPr lang="en-US" dirty="0"/>
                     </a:p>
@@ -18814,6 +18798,264 @@
           </a:graphicData>
         </a:graphic>
       </p:graphicFrame>
+      <p:sp>
+        <p:nvSpPr>
+          <p:cNvPr id="7" name="Freeform 6"/>
+          <p:cNvSpPr/>
+          <p:nvPr/>
+        </p:nvSpPr>
+        <p:spPr>
+          <a:xfrm>
+            <a:off x="3700867" y="1430034"/>
+            <a:ext cx="1756906" cy="1983776"/>
+          </a:xfrm>
+          <a:custGeom>
+            <a:avLst/>
+            <a:gdLst>
+              <a:gd name="connsiteX0" fmla="*/ 943981 w 1756906"/>
+              <a:gd name="connsiteY0" fmla="*/ 118126 h 1983776"/>
+              <a:gd name="connsiteX1" fmla="*/ 56762 w 1756906"/>
+              <a:gd name="connsiteY1" fmla="*/ 483422 h 1983776"/>
+              <a:gd name="connsiteX2" fmla="*/ 230727 w 1756906"/>
+              <a:gd name="connsiteY2" fmla="*/ 1822841 h 1983776"/>
+              <a:gd name="connsiteX3" fmla="*/ 1378891 w 1756906"/>
+              <a:gd name="connsiteY3" fmla="*/ 1840236 h 1983776"/>
+              <a:gd name="connsiteX4" fmla="*/ 1744216 w 1756906"/>
+              <a:gd name="connsiteY4" fmla="*/ 744348 h 1983776"/>
+              <a:gd name="connsiteX5" fmla="*/ 1587649 w 1756906"/>
+              <a:gd name="connsiteY5" fmla="*/ 31151 h 1983776"/>
+              <a:gd name="connsiteX6" fmla="*/ 787413 w 1756906"/>
+              <a:gd name="connsiteY6" fmla="*/ 118126 h 1983776"/>
+              <a:gd name="connsiteX7" fmla="*/ 787413 w 1756906"/>
+              <a:gd name="connsiteY7" fmla="*/ 118126 h 1983776"/>
+              <a:gd name="connsiteX8" fmla="*/ 787413 w 1756906"/>
+              <a:gd name="connsiteY8" fmla="*/ 118126 h 1983776"/>
+            </a:gdLst>
+            <a:ahLst/>
+            <a:cxnLst>
+              <a:cxn ang="0">
+                <a:pos x="connsiteX0" y="connsiteY0"/>
+              </a:cxn>
+              <a:cxn ang="0">
+                <a:pos x="connsiteX1" y="connsiteY1"/>
+              </a:cxn>
+              <a:cxn ang="0">
+                <a:pos x="connsiteX2" y="connsiteY2"/>
+              </a:cxn>
+              <a:cxn ang="0">
+                <a:pos x="connsiteX3" y="connsiteY3"/>
+              </a:cxn>
+              <a:cxn ang="0">
+                <a:pos x="connsiteX4" y="connsiteY4"/>
+              </a:cxn>
+              <a:cxn ang="0">
+                <a:pos x="connsiteX5" y="connsiteY5"/>
+              </a:cxn>
+              <a:cxn ang="0">
+                <a:pos x="connsiteX6" y="connsiteY6"/>
+              </a:cxn>
+              <a:cxn ang="0">
+                <a:pos x="connsiteX7" y="connsiteY7"/>
+              </a:cxn>
+              <a:cxn ang="0">
+                <a:pos x="connsiteX8" y="connsiteY8"/>
+              </a:cxn>
+            </a:cxnLst>
+            <a:rect l="l" t="t" r="r" b="b"/>
+            <a:pathLst>
+              <a:path w="1756906" h="1983776">
+                <a:moveTo>
+                  <a:pt x="943981" y="118126"/>
+                </a:moveTo>
+                <a:cubicBezTo>
+                  <a:pt x="559809" y="158714"/>
+                  <a:pt x="175638" y="199303"/>
+                  <a:pt x="56762" y="483422"/>
+                </a:cubicBezTo>
+                <a:cubicBezTo>
+                  <a:pt x="-62114" y="767541"/>
+                  <a:pt x="10372" y="1596705"/>
+                  <a:pt x="230727" y="1822841"/>
+                </a:cubicBezTo>
+                <a:cubicBezTo>
+                  <a:pt x="451082" y="2048977"/>
+                  <a:pt x="1126643" y="2019985"/>
+                  <a:pt x="1378891" y="1840236"/>
+                </a:cubicBezTo>
+                <a:cubicBezTo>
+                  <a:pt x="1631139" y="1660487"/>
+                  <a:pt x="1709423" y="1045862"/>
+                  <a:pt x="1744216" y="744348"/>
+                </a:cubicBezTo>
+                <a:cubicBezTo>
+                  <a:pt x="1779009" y="442834"/>
+                  <a:pt x="1747116" y="135521"/>
+                  <a:pt x="1587649" y="31151"/>
+                </a:cubicBezTo>
+                <a:cubicBezTo>
+                  <a:pt x="1428182" y="-73219"/>
+                  <a:pt x="787413" y="118126"/>
+                  <a:pt x="787413" y="118126"/>
+                </a:cubicBezTo>
+                <a:lnTo>
+                  <a:pt x="787413" y="118126"/>
+                </a:lnTo>
+                <a:lnTo>
+                  <a:pt x="787413" y="118126"/>
+                </a:lnTo>
+              </a:path>
+            </a:pathLst>
+          </a:custGeom>
+          <a:ln>
+            <a:solidFill>
+              <a:schemeClr val="accent5"/>
+            </a:solidFill>
+          </a:ln>
+        </p:spPr>
+        <p:style>
+          <a:lnRef idx="2">
+            <a:schemeClr val="accent1"/>
+          </a:lnRef>
+          <a:fillRef idx="0">
+            <a:schemeClr val="accent1"/>
+          </a:fillRef>
+          <a:effectRef idx="1">
+            <a:schemeClr val="accent1"/>
+          </a:effectRef>
+          <a:fontRef idx="minor">
+            <a:schemeClr val="tx1"/>
+          </a:fontRef>
+        </p:style>
+        <p:txBody>
+          <a:bodyPr rtlCol="0" anchor="ctr"/>
+          <a:lstStyle/>
+          <a:p>
+            <a:pPr algn="ctr"/>
+            <a:endParaRPr lang="en-US"/>
+          </a:p>
+        </p:txBody>
+      </p:sp>
+      <p:sp>
+        <p:nvSpPr>
+          <p:cNvPr id="9" name="Freeform 8"/>
+          <p:cNvSpPr/>
+          <p:nvPr/>
+        </p:nvSpPr>
+        <p:spPr>
+          <a:xfrm>
+            <a:off x="7054584" y="1371965"/>
+            <a:ext cx="1794210" cy="2111472"/>
+          </a:xfrm>
+          <a:custGeom>
+            <a:avLst/>
+            <a:gdLst>
+              <a:gd name="connsiteX0" fmla="*/ 826000 w 1794210"/>
+              <a:gd name="connsiteY0" fmla="*/ 106615 h 2111472"/>
+              <a:gd name="connsiteX1" fmla="*/ 77953 w 1794210"/>
+              <a:gd name="connsiteY1" fmla="*/ 193590 h 2111472"/>
+              <a:gd name="connsiteX2" fmla="*/ 182332 w 1794210"/>
+              <a:gd name="connsiteY2" fmla="*/ 1880910 h 2111472"/>
+              <a:gd name="connsiteX3" fmla="*/ 1487065 w 1794210"/>
+              <a:gd name="connsiteY3" fmla="*/ 1967885 h 2111472"/>
+              <a:gd name="connsiteX4" fmla="*/ 1748011 w 1794210"/>
+              <a:gd name="connsiteY4" fmla="*/ 680651 h 2111472"/>
+              <a:gd name="connsiteX5" fmla="*/ 773811 w 1794210"/>
+              <a:gd name="connsiteY5" fmla="*/ 71824 h 2111472"/>
+              <a:gd name="connsiteX6" fmla="*/ 565054 w 1794210"/>
+              <a:gd name="connsiteY6" fmla="*/ 19639 h 2111472"/>
+            </a:gdLst>
+            <a:ahLst/>
+            <a:cxnLst>
+              <a:cxn ang="0">
+                <a:pos x="connsiteX0" y="connsiteY0"/>
+              </a:cxn>
+              <a:cxn ang="0">
+                <a:pos x="connsiteX1" y="connsiteY1"/>
+              </a:cxn>
+              <a:cxn ang="0">
+                <a:pos x="connsiteX2" y="connsiteY2"/>
+              </a:cxn>
+              <a:cxn ang="0">
+                <a:pos x="connsiteX3" y="connsiteY3"/>
+              </a:cxn>
+              <a:cxn ang="0">
+                <a:pos x="connsiteX4" y="connsiteY4"/>
+              </a:cxn>
+              <a:cxn ang="0">
+                <a:pos x="connsiteX5" y="connsiteY5"/>
+              </a:cxn>
+              <a:cxn ang="0">
+                <a:pos x="connsiteX6" y="connsiteY6"/>
+              </a:cxn>
+            </a:cxnLst>
+            <a:rect l="l" t="t" r="r" b="b"/>
+            <a:pathLst>
+              <a:path w="1794210" h="2111472">
+                <a:moveTo>
+                  <a:pt x="826000" y="106615"/>
+                </a:moveTo>
+                <a:cubicBezTo>
+                  <a:pt x="505615" y="2244"/>
+                  <a:pt x="185231" y="-102126"/>
+                  <a:pt x="77953" y="193590"/>
+                </a:cubicBezTo>
+                <a:cubicBezTo>
+                  <a:pt x="-29325" y="489306"/>
+                  <a:pt x="-52520" y="1585194"/>
+                  <a:pt x="182332" y="1880910"/>
+                </a:cubicBezTo>
+                <a:cubicBezTo>
+                  <a:pt x="417184" y="2176626"/>
+                  <a:pt x="1226119" y="2167928"/>
+                  <a:pt x="1487065" y="1967885"/>
+                </a:cubicBezTo>
+                <a:cubicBezTo>
+                  <a:pt x="1748011" y="1767842"/>
+                  <a:pt x="1866887" y="996661"/>
+                  <a:pt x="1748011" y="680651"/>
+                </a:cubicBezTo>
+                <a:cubicBezTo>
+                  <a:pt x="1629135" y="364641"/>
+                  <a:pt x="970970" y="181993"/>
+                  <a:pt x="773811" y="71824"/>
+                </a:cubicBezTo>
+                <a:cubicBezTo>
+                  <a:pt x="576652" y="-38345"/>
+                  <a:pt x="565054" y="19639"/>
+                  <a:pt x="565054" y="19639"/>
+                </a:cubicBezTo>
+              </a:path>
+            </a:pathLst>
+          </a:custGeom>
+          <a:ln>
+            <a:solidFill>
+              <a:srgbClr val="F22401"/>
+            </a:solidFill>
+          </a:ln>
+        </p:spPr>
+        <p:style>
+          <a:lnRef idx="2">
+            <a:schemeClr val="accent1"/>
+          </a:lnRef>
+          <a:fillRef idx="0">
+            <a:schemeClr val="accent1"/>
+          </a:fillRef>
+          <a:effectRef idx="1">
+            <a:schemeClr val="accent1"/>
+          </a:effectRef>
+          <a:fontRef idx="minor">
+            <a:schemeClr val="tx1"/>
+          </a:fontRef>
+        </p:style>
+        <p:txBody>
+          <a:bodyPr rtlCol="0" anchor="ctr"/>
+          <a:lstStyle/>
+          <a:p>
+            <a:pPr algn="ctr"/>
+            <a:endParaRPr lang="en-US"/>
+          </a:p>
+        </p:txBody>
+      </p:sp>
     </p:spTree>
     <p:extLst>
       <p:ext uri="{BB962C8B-B14F-4D97-AF65-F5344CB8AC3E}">
@@ -18827,9 +19069,108 @@
   <p:timing>
     <p:tnLst>
       <p:par>
-        <p:cTn xmlns:p14="http://schemas.microsoft.com/office/powerpoint/2010/main" id="1" dur="indefinite" restart="never" nodeType="tmRoot"/>
+        <p:cTn xmlns:p14="http://schemas.microsoft.com/office/powerpoint/2010/main" id="1" dur="indefinite" restart="never" nodeType="tmRoot">
+          <p:childTnLst>
+            <p:seq concurrent="1" nextAc="seek">
+              <p:cTn id="2" dur="indefinite" nodeType="mainSeq">
+                <p:childTnLst>
+                  <p:par>
+                    <p:cTn id="3" fill="hold">
+                      <p:stCondLst>
+                        <p:cond delay="indefinite"/>
+                      </p:stCondLst>
+                      <p:childTnLst>
+                        <p:par>
+                          <p:cTn id="4" fill="hold">
+                            <p:stCondLst>
+                              <p:cond delay="0"/>
+                            </p:stCondLst>
+                            <p:childTnLst>
+                              <p:par>
+                                <p:cTn id="5" presetID="1" presetClass="entr" presetSubtype="0" fill="hold" grpId="0" nodeType="clickEffect">
+                                  <p:stCondLst>
+                                    <p:cond delay="0"/>
+                                  </p:stCondLst>
+                                  <p:childTnLst>
+                                    <p:set>
+                                      <p:cBhvr>
+                                        <p:cTn id="6" dur="1" fill="hold">
+                                          <p:stCondLst>
+                                            <p:cond delay="0"/>
+                                          </p:stCondLst>
+                                        </p:cTn>
+                                        <p:tgtEl>
+                                          <p:spTgt spid="7"/>
+                                        </p:tgtEl>
+                                        <p:attrNameLst>
+                                          <p:attrName>style.visibility</p:attrName>
+                                        </p:attrNameLst>
+                                      </p:cBhvr>
+                                      <p:to>
+                                        <p:strVal val="visible"/>
+                                      </p:to>
+                                    </p:set>
+                                  </p:childTnLst>
+                                </p:cTn>
+                              </p:par>
+                              <p:par>
+                                <p:cTn id="7" presetID="1" presetClass="entr" presetSubtype="0" fill="hold" grpId="0" nodeType="withEffect">
+                                  <p:stCondLst>
+                                    <p:cond delay="0"/>
+                                  </p:stCondLst>
+                                  <p:childTnLst>
+                                    <p:set>
+                                      <p:cBhvr>
+                                        <p:cTn id="8" dur="1" fill="hold">
+                                          <p:stCondLst>
+                                            <p:cond delay="0"/>
+                                          </p:stCondLst>
+                                        </p:cTn>
+                                        <p:tgtEl>
+                                          <p:spTgt spid="9"/>
+                                        </p:tgtEl>
+                                        <p:attrNameLst>
+                                          <p:attrName>style.visibility</p:attrName>
+                                        </p:attrNameLst>
+                                      </p:cBhvr>
+                                      <p:to>
+                                        <p:strVal val="visible"/>
+                                      </p:to>
+                                    </p:set>
+                                  </p:childTnLst>
+                                </p:cTn>
+                              </p:par>
+                            </p:childTnLst>
+                          </p:cTn>
+                        </p:par>
+                      </p:childTnLst>
+                    </p:cTn>
+                  </p:par>
+                </p:childTnLst>
+              </p:cTn>
+              <p:prevCondLst>
+                <p:cond evt="onPrev" delay="0">
+                  <p:tgtEl>
+                    <p:sldTgt/>
+                  </p:tgtEl>
+                </p:cond>
+              </p:prevCondLst>
+              <p:nextCondLst>
+                <p:cond evt="onNext" delay="0">
+                  <p:tgtEl>
+                    <p:sldTgt/>
+                  </p:tgtEl>
+                </p:cond>
+              </p:nextCondLst>
+            </p:seq>
+          </p:childTnLst>
+        </p:cTn>
       </p:par>
     </p:tnLst>
+    <p:bldLst>
+      <p:bldP spid="7" grpId="0" animBg="1"/>
+      <p:bldP spid="9" grpId="0" animBg="1"/>
+    </p:bldLst>
   </p:timing>
 </p:sld>
 </file>
@@ -19327,11 +19668,7 @@
           <a:p>
             <a:r>
               <a:rPr lang="sv-SE" dirty="0" smtClean="0"/>
-              <a:t>Diskussion </a:t>
-            </a:r>
-            <a:r>
-              <a:rPr lang="sv-SE" dirty="0" smtClean="0"/>
-              <a:t>av resultat</a:t>
+              <a:t>Diskussion av resultat</a:t>
             </a:r>
             <a:endParaRPr lang="en-US" dirty="0"/>
           </a:p>
@@ -19359,7 +19696,7 @@
           <a:p>
             <a:r>
               <a:rPr lang="sv-SE" dirty="0" smtClean="0"/>
-              <a:t>17 April 2012</a:t>
+              <a:t>21 augusti 2013</a:t>
             </a:r>
             <a:endParaRPr lang="en-US" dirty="0"/>
           </a:p>
@@ -19526,6 +19863,14 @@
             </a:r>
             <a:r>
               <a:rPr lang="en-US" dirty="0" err="1" smtClean="0"/>
+              <a:t>så</a:t>
+            </a:r>
+            <a:r>
+              <a:rPr lang="en-US" dirty="0" smtClean="0"/>
+              <a:t> </a:t>
+            </a:r>
+            <a:r>
+              <a:rPr lang="en-US" dirty="0" err="1" smtClean="0"/>
               <a:t>är</a:t>
             </a:r>
             <a:r>
@@ -19604,7 +19949,6 @@
               <a:rPr lang="en-US" dirty="0" smtClean="0"/>
               <a:t>:</a:t>
             </a:r>
-            <a:endParaRPr lang="en-US" dirty="0" smtClean="0"/>
           </a:p>
           <a:p>
             <a:r>
@@ -20144,7 +20488,7 @@
           <p:nvPr>
             <p:extLst>
               <p:ext uri="{D42A27DB-BD31-4B8C-83A1-F6EECF244321}">
-                <p14:modId xmlns:p14="http://schemas.microsoft.com/office/powerpoint/2010/main" val="4179797565"/>
+                <p14:modId xmlns:p14="http://schemas.microsoft.com/office/powerpoint/2010/main" val="3767915618"/>
               </p:ext>
             </p:extLst>
           </p:nvPr>
@@ -20196,7 +20540,7 @@
                     <a:p>
                       <a:r>
                         <a:rPr lang="en-US" dirty="0" err="1" smtClean="0"/>
-                        <a:t>Deskopvy</a:t>
+                        <a:t>Desktopvy</a:t>
                       </a:r>
                       <a:endParaRPr lang="en-US" dirty="0"/>
                     </a:p>
@@ -20430,11 +20774,7 @@
             </a:r>
             <a:r>
               <a:rPr lang="en-US" dirty="0" smtClean="0"/>
-              <a:t> </a:t>
-            </a:r>
-            <a:r>
-              <a:rPr lang="en-US" dirty="0" smtClean="0"/>
-              <a:t>standard</a:t>
+              <a:t> standard</a:t>
             </a:r>
           </a:p>
           <a:p>
@@ -20526,6 +20866,64 @@
           </a:prstGeom>
         </p:spPr>
       </p:pic>
+      <p:sp>
+        <p:nvSpPr>
+          <p:cNvPr id="4" name="TextBox 3"/>
+          <p:cNvSpPr txBox="1"/>
+          <p:nvPr/>
+        </p:nvSpPr>
+        <p:spPr>
+          <a:xfrm>
+            <a:off x="1691680" y="5805264"/>
+            <a:ext cx="2088232" cy="432048"/>
+          </a:xfrm>
+          <a:prstGeom prst="rect">
+            <a:avLst/>
+          </a:prstGeom>
+          <a:noFill/>
+        </p:spPr>
+        <p:txBody>
+          <a:bodyPr vert="horz" wrap="square" lIns="180000" tIns="45720" rIns="91440" bIns="45720" rtlCol="0" anchor="t" anchorCtr="0">
+            <a:noAutofit/>
+          </a:bodyPr>
+          <a:lstStyle/>
+          <a:p>
+            <a:r>
+              <a:rPr lang="en-US" dirty="0" smtClean="0"/>
+              <a:t>Mobile-first</a:t>
+            </a:r>
+          </a:p>
+        </p:txBody>
+      </p:sp>
+      <p:sp>
+        <p:nvSpPr>
+          <p:cNvPr id="7" name="TextBox 6"/>
+          <p:cNvSpPr txBox="1"/>
+          <p:nvPr/>
+        </p:nvSpPr>
+        <p:spPr>
+          <a:xfrm>
+            <a:off x="5580112" y="5805264"/>
+            <a:ext cx="2088232" cy="432048"/>
+          </a:xfrm>
+          <a:prstGeom prst="rect">
+            <a:avLst/>
+          </a:prstGeom>
+          <a:noFill/>
+        </p:spPr>
+        <p:txBody>
+          <a:bodyPr vert="horz" wrap="square" lIns="180000" tIns="45720" rIns="91440" bIns="45720" rtlCol="0" anchor="t" anchorCtr="0">
+            <a:noAutofit/>
+          </a:bodyPr>
+          <a:lstStyle/>
+          <a:p>
+            <a:r>
+              <a:rPr lang="en-US" dirty="0" smtClean="0"/>
+              <a:t>Desktop-first</a:t>
+            </a:r>
+          </a:p>
+        </p:txBody>
+      </p:sp>
     </p:spTree>
     <p:extLst>
       <p:ext uri="{BB962C8B-B14F-4D97-AF65-F5344CB8AC3E}">
@@ -20606,47 +21004,15 @@
             </a:pPr>
             <a:r>
               <a:rPr lang="en-US" b="1" dirty="0" err="1" smtClean="0"/>
-              <a:t>Skärmstorlek</a:t>
+              <a:t>Mobilskärmen</a:t>
             </a:r>
             <a:r>
               <a:rPr lang="en-US" b="1" dirty="0" smtClean="0"/>
-              <a:t> </a:t>
-            </a:r>
-            <a:r>
-              <a:rPr lang="en-US" b="1" dirty="0" smtClean="0"/>
-              <a:t>–</a:t>
-            </a:r>
-            <a:r>
-              <a:rPr lang="en-US" b="1" dirty="0" smtClean="0"/>
-              <a:t> Ta </a:t>
+              <a:t> -  en </a:t>
             </a:r>
             <a:r>
               <a:rPr lang="en-US" b="1" dirty="0" err="1" smtClean="0"/>
-              <a:t>bort</a:t>
-            </a:r>
-            <a:r>
-              <a:rPr lang="en-US" b="1" dirty="0" smtClean="0"/>
-              <a:t> </a:t>
-            </a:r>
-            <a:r>
-              <a:rPr lang="en-US" b="1" dirty="0" err="1" smtClean="0"/>
-              <a:t>ifall</a:t>
-            </a:r>
-            <a:r>
-              <a:rPr lang="en-US" b="1" dirty="0" smtClean="0"/>
-              <a:t> </a:t>
-            </a:r>
-            <a:r>
-              <a:rPr lang="en-US" b="1" dirty="0" err="1" smtClean="0"/>
-              <a:t>för</a:t>
-            </a:r>
-            <a:r>
-              <a:rPr lang="en-US" b="1" dirty="0" smtClean="0"/>
-              <a:t> </a:t>
-            </a:r>
-            <a:r>
-              <a:rPr lang="en-US" b="1" dirty="0" err="1" smtClean="0"/>
-              <a:t>långt</a:t>
+              <a:t>fördel</a:t>
             </a:r>
             <a:endParaRPr lang="en-US" b="1" dirty="0" smtClean="0"/>
           </a:p>
@@ -21400,7 +21766,6 @@
               <a:rPr lang="en-US" sz="1700" dirty="0" smtClean="0"/>
               <a:t>Desktop-first</a:t>
             </a:r>
-            <a:endParaRPr lang="en-US" sz="1700" dirty="0" smtClean="0"/>
           </a:p>
         </p:txBody>
       </p:sp>
@@ -21430,7 +21795,6 @@
               <a:rPr lang="en-US" dirty="0" smtClean="0"/>
               <a:t>Mobile-first</a:t>
             </a:r>
-            <a:endParaRPr lang="en-US" dirty="0" smtClean="0"/>
           </a:p>
         </p:txBody>
       </p:sp>
@@ -21605,16 +21969,12 @@
               <a:t> </a:t>
             </a:r>
             <a:r>
+              <a:rPr lang="en-US" sz="2000" dirty="0" err="1"/>
+              <a:t>Ö</a:t>
+            </a:r>
+            <a:r>
               <a:rPr lang="en-US" sz="2000" dirty="0" err="1" smtClean="0"/>
-              <a:t>Har</a:t>
-            </a:r>
-            <a:r>
-              <a:rPr lang="en-US" sz="2000" dirty="0" smtClean="0"/>
-              <a:t> </a:t>
-            </a:r>
-            <a:r>
-              <a:rPr lang="en-US" sz="2000" dirty="0" err="1" smtClean="0"/>
-              <a:t>ökat</a:t>
+              <a:t>kat</a:t>
             </a:r>
             <a:r>
               <a:rPr lang="en-US" sz="2000" dirty="0" smtClean="0"/>
@@ -21775,15 +22135,7 @@
             </a:r>
             <a:r>
               <a:rPr lang="en-US" dirty="0" smtClean="0"/>
-              <a:t> </a:t>
-            </a:r>
-            <a:r>
-              <a:rPr lang="en-US" dirty="0" smtClean="0"/>
-              <a:t>–</a:t>
-            </a:r>
-            <a:r>
-              <a:rPr lang="en-US" dirty="0" smtClean="0"/>
-              <a:t> </a:t>
+              <a:t> – </a:t>
             </a:r>
             <a:r>
               <a:rPr lang="en-US" dirty="0" err="1" smtClean="0"/>
@@ -22009,7 +22361,6 @@
               <a:rPr lang="en-US" dirty="0" smtClean="0"/>
               <a:t> 8</a:t>
             </a:r>
-            <a:endParaRPr lang="en-US" dirty="0" smtClean="0"/>
           </a:p>
           <a:p>
             <a:pPr marL="0" indent="0">
@@ -22083,15 +22434,7 @@
             </a:r>
             <a:r>
               <a:rPr lang="en-US" dirty="0" smtClean="0"/>
-              <a:t> </a:t>
-            </a:r>
-            <a:r>
-              <a:rPr lang="en-US" dirty="0" smtClean="0"/>
-              <a:t>–</a:t>
-            </a:r>
-            <a:r>
-              <a:rPr lang="en-US" dirty="0" smtClean="0"/>
-              <a:t> </a:t>
+              <a:t> – </a:t>
             </a:r>
             <a:r>
               <a:rPr lang="en-US" dirty="0" err="1" smtClean="0"/>
@@ -22997,16 +23340,8 @@
               <a:t> </a:t>
             </a:r>
             <a:r>
-              <a:rPr lang="en-US" dirty="0" smtClean="0"/>
-              <a:t>hos</a:t>
-            </a:r>
-            <a:r>
-              <a:rPr lang="en-US" dirty="0" smtClean="0"/>
-              <a:t> </a:t>
-            </a:r>
-            <a:r>
-              <a:rPr lang="en-US" dirty="0" err="1" smtClean="0"/>
-              <a:t>alla</a:t>
+              <a:rPr lang="en-US" dirty="0" err="1" smtClean="0"/>
+              <a:t>i</a:t>
             </a:r>
             <a:r>
               <a:rPr lang="en-US" dirty="0" smtClean="0"/>
@@ -23235,7 +23570,6 @@
               <a:rPr lang="sv-SE" dirty="0"/>
               <a:t>. </a:t>
             </a:r>
-            <a:endParaRPr lang="sv-SE" dirty="0"/>
           </a:p>
           <a:p>
             <a:endParaRPr lang="en-US" dirty="0"/>
@@ -23371,13 +23705,6 @@
               </a:rPr>
               <a:t>Tack! </a:t>
             </a:r>
-            <a:endParaRPr lang="en-US" sz="7200" dirty="0" smtClean="0">
-              <a:solidFill>
-                <a:srgbClr val="FFFFFF"/>
-              </a:solidFill>
-              <a:latin typeface="Times New Roman"/>
-              <a:cs typeface="Times New Roman"/>
-            </a:endParaRPr>
           </a:p>
         </p:txBody>
       </p:sp>
@@ -23934,7 +24261,19 @@
           <a:p>
             <a:r>
               <a:rPr lang="sv-SE" dirty="0" smtClean="0"/>
-              <a:t>17 April 2012</a:t>
+              <a:t>21</a:t>
+            </a:r>
+            <a:r>
+              <a:rPr lang="sv-SE" dirty="0" smtClean="0"/>
+              <a:t> </a:t>
+            </a:r>
+            <a:r>
+              <a:rPr lang="sv-SE" dirty="0" smtClean="0"/>
+              <a:t>April </a:t>
+            </a:r>
+            <a:r>
+              <a:rPr lang="sv-SE" dirty="0" smtClean="0"/>
+              <a:t>2013</a:t>
             </a:r>
             <a:endParaRPr lang="en-US" dirty="0"/>
           </a:p>
